--- a/test/pptx/footer/higher-slide-number/output.pptx
+++ b/test/pptx/footer/higher-slide-number/output.pptx
@@ -6295,8 +6295,6 @@
             <a:pPr lvl="0" indent="0" marL="0">
               <a:buNone/>
             </a:pPr>
-            <a:br/>
-            <a:br/>
             <a:r>
               <a:rPr/>
               <a:t>Me</a:t>
